--- a/Michael/DataBinding/data binding.pptx
+++ b/Michael/DataBinding/data binding.pptx
@@ -292,7 +292,7 @@
             <a:fld id="{1D8BD707-D9CF-40AE-B4C6-C98DA3205C09}" type="datetimeFigureOut">
               <a:rPr lang="en-US" smtClean="0"/>
               <a:pPr/>
-              <a:t>4/14/2015</a:t>
+              <a:t>4/17/2015</a:t>
             </a:fld>
             <a:endParaRPr lang="en-US"/>
           </a:p>
@@ -459,7 +459,7 @@
             <a:fld id="{1D8BD707-D9CF-40AE-B4C6-C98DA3205C09}" type="datetimeFigureOut">
               <a:rPr lang="en-US" smtClean="0"/>
               <a:pPr/>
-              <a:t>4/14/2015</a:t>
+              <a:t>4/17/2015</a:t>
             </a:fld>
             <a:endParaRPr lang="en-US"/>
           </a:p>
@@ -636,7 +636,7 @@
             <a:fld id="{1D8BD707-D9CF-40AE-B4C6-C98DA3205C09}" type="datetimeFigureOut">
               <a:rPr lang="en-US" smtClean="0"/>
               <a:pPr/>
-              <a:t>4/14/2015</a:t>
+              <a:t>4/17/2015</a:t>
             </a:fld>
             <a:endParaRPr lang="en-US"/>
           </a:p>
@@ -803,7 +803,7 @@
             <a:fld id="{1D8BD707-D9CF-40AE-B4C6-C98DA3205C09}" type="datetimeFigureOut">
               <a:rPr lang="en-US" smtClean="0"/>
               <a:pPr/>
-              <a:t>4/14/2015</a:t>
+              <a:t>4/17/2015</a:t>
             </a:fld>
             <a:endParaRPr lang="en-US"/>
           </a:p>
@@ -1046,7 +1046,7 @@
             <a:fld id="{1D8BD707-D9CF-40AE-B4C6-C98DA3205C09}" type="datetimeFigureOut">
               <a:rPr lang="en-US" smtClean="0"/>
               <a:pPr/>
-              <a:t>4/14/2015</a:t>
+              <a:t>4/17/2015</a:t>
             </a:fld>
             <a:endParaRPr lang="en-US"/>
           </a:p>
@@ -1331,7 +1331,7 @@
             <a:fld id="{1D8BD707-D9CF-40AE-B4C6-C98DA3205C09}" type="datetimeFigureOut">
               <a:rPr lang="en-US" smtClean="0"/>
               <a:pPr/>
-              <a:t>4/14/2015</a:t>
+              <a:t>4/17/2015</a:t>
             </a:fld>
             <a:endParaRPr lang="en-US"/>
           </a:p>
@@ -1750,7 +1750,7 @@
             <a:fld id="{1D8BD707-D9CF-40AE-B4C6-C98DA3205C09}" type="datetimeFigureOut">
               <a:rPr lang="en-US" smtClean="0"/>
               <a:pPr/>
-              <a:t>4/14/2015</a:t>
+              <a:t>4/17/2015</a:t>
             </a:fld>
             <a:endParaRPr lang="en-US"/>
           </a:p>
@@ -1865,7 +1865,7 @@
             <a:fld id="{1D8BD707-D9CF-40AE-B4C6-C98DA3205C09}" type="datetimeFigureOut">
               <a:rPr lang="en-US" smtClean="0"/>
               <a:pPr/>
-              <a:t>4/14/2015</a:t>
+              <a:t>4/17/2015</a:t>
             </a:fld>
             <a:endParaRPr lang="en-US"/>
           </a:p>
@@ -1957,7 +1957,7 @@
             <a:fld id="{1D8BD707-D9CF-40AE-B4C6-C98DA3205C09}" type="datetimeFigureOut">
               <a:rPr lang="en-US" smtClean="0"/>
               <a:pPr/>
-              <a:t>4/14/2015</a:t>
+              <a:t>4/17/2015</a:t>
             </a:fld>
             <a:endParaRPr lang="en-US"/>
           </a:p>
@@ -2231,7 +2231,7 @@
             <a:fld id="{1D8BD707-D9CF-40AE-B4C6-C98DA3205C09}" type="datetimeFigureOut">
               <a:rPr lang="en-US" smtClean="0"/>
               <a:pPr/>
-              <a:t>4/14/2015</a:t>
+              <a:t>4/17/2015</a:t>
             </a:fld>
             <a:endParaRPr lang="en-US"/>
           </a:p>
@@ -2481,7 +2481,7 @@
             <a:fld id="{1D8BD707-D9CF-40AE-B4C6-C98DA3205C09}" type="datetimeFigureOut">
               <a:rPr lang="en-US" smtClean="0"/>
               <a:pPr/>
-              <a:t>4/14/2015</a:t>
+              <a:t>4/17/2015</a:t>
             </a:fld>
             <a:endParaRPr lang="en-US"/>
           </a:p>
@@ -2691,7 +2691,7 @@
             <a:fld id="{1D8BD707-D9CF-40AE-B4C6-C98DA3205C09}" type="datetimeFigureOut">
               <a:rPr lang="en-US" smtClean="0"/>
               <a:pPr/>
-              <a:t>4/14/2015</a:t>
+              <a:t>4/17/2015</a:t>
             </a:fld>
             <a:endParaRPr lang="en-US"/>
           </a:p>
@@ -3100,7 +3100,11 @@
           <a:bodyPr/>
           <a:lstStyle/>
           <a:p>
-            <a:endParaRPr lang="en-AU"/>
+            <a:r>
+              <a:rPr lang="en-AU" dirty="0" smtClean="0"/>
+              <a:t>Why bind data?</a:t>
+            </a:r>
+            <a:endParaRPr lang="en-AU" dirty="0"/>
           </a:p>
         </p:txBody>
       </p:sp>

--- a/Michael/DataBinding/data binding.pptx
+++ b/Michael/DataBinding/data binding.pptx
@@ -9,6 +9,7 @@
     <p:sldId id="257" r:id="rId3"/>
     <p:sldId id="258" r:id="rId4"/>
     <p:sldId id="259" r:id="rId5"/>
+    <p:sldId id="260" r:id="rId6"/>
   </p:sldIdLst>
   <p:sldSz cx="9144000" cy="6858000" type="screen4x3"/>
   <p:notesSz cx="6858000" cy="9144000"/>
@@ -292,7 +293,7 @@
             <a:fld id="{1D8BD707-D9CF-40AE-B4C6-C98DA3205C09}" type="datetimeFigureOut">
               <a:rPr lang="en-US" smtClean="0"/>
               <a:pPr/>
-              <a:t>4/17/2015</a:t>
+              <a:t>4/20/2015</a:t>
             </a:fld>
             <a:endParaRPr lang="en-US"/>
           </a:p>
@@ -459,7 +460,7 @@
             <a:fld id="{1D8BD707-D9CF-40AE-B4C6-C98DA3205C09}" type="datetimeFigureOut">
               <a:rPr lang="en-US" smtClean="0"/>
               <a:pPr/>
-              <a:t>4/17/2015</a:t>
+              <a:t>4/20/2015</a:t>
             </a:fld>
             <a:endParaRPr lang="en-US"/>
           </a:p>
@@ -636,7 +637,7 @@
             <a:fld id="{1D8BD707-D9CF-40AE-B4C6-C98DA3205C09}" type="datetimeFigureOut">
               <a:rPr lang="en-US" smtClean="0"/>
               <a:pPr/>
-              <a:t>4/17/2015</a:t>
+              <a:t>4/20/2015</a:t>
             </a:fld>
             <a:endParaRPr lang="en-US"/>
           </a:p>
@@ -803,7 +804,7 @@
             <a:fld id="{1D8BD707-D9CF-40AE-B4C6-C98DA3205C09}" type="datetimeFigureOut">
               <a:rPr lang="en-US" smtClean="0"/>
               <a:pPr/>
-              <a:t>4/17/2015</a:t>
+              <a:t>4/20/2015</a:t>
             </a:fld>
             <a:endParaRPr lang="en-US"/>
           </a:p>
@@ -1046,7 +1047,7 @@
             <a:fld id="{1D8BD707-D9CF-40AE-B4C6-C98DA3205C09}" type="datetimeFigureOut">
               <a:rPr lang="en-US" smtClean="0"/>
               <a:pPr/>
-              <a:t>4/17/2015</a:t>
+              <a:t>4/20/2015</a:t>
             </a:fld>
             <a:endParaRPr lang="en-US"/>
           </a:p>
@@ -1331,7 +1332,7 @@
             <a:fld id="{1D8BD707-D9CF-40AE-B4C6-C98DA3205C09}" type="datetimeFigureOut">
               <a:rPr lang="en-US" smtClean="0"/>
               <a:pPr/>
-              <a:t>4/17/2015</a:t>
+              <a:t>4/20/2015</a:t>
             </a:fld>
             <a:endParaRPr lang="en-US"/>
           </a:p>
@@ -1750,7 +1751,7 @@
             <a:fld id="{1D8BD707-D9CF-40AE-B4C6-C98DA3205C09}" type="datetimeFigureOut">
               <a:rPr lang="en-US" smtClean="0"/>
               <a:pPr/>
-              <a:t>4/17/2015</a:t>
+              <a:t>4/20/2015</a:t>
             </a:fld>
             <a:endParaRPr lang="en-US"/>
           </a:p>
@@ -1865,7 +1866,7 @@
             <a:fld id="{1D8BD707-D9CF-40AE-B4C6-C98DA3205C09}" type="datetimeFigureOut">
               <a:rPr lang="en-US" smtClean="0"/>
               <a:pPr/>
-              <a:t>4/17/2015</a:t>
+              <a:t>4/20/2015</a:t>
             </a:fld>
             <a:endParaRPr lang="en-US"/>
           </a:p>
@@ -1957,7 +1958,7 @@
             <a:fld id="{1D8BD707-D9CF-40AE-B4C6-C98DA3205C09}" type="datetimeFigureOut">
               <a:rPr lang="en-US" smtClean="0"/>
               <a:pPr/>
-              <a:t>4/17/2015</a:t>
+              <a:t>4/20/2015</a:t>
             </a:fld>
             <a:endParaRPr lang="en-US"/>
           </a:p>
@@ -2231,7 +2232,7 @@
             <a:fld id="{1D8BD707-D9CF-40AE-B4C6-C98DA3205C09}" type="datetimeFigureOut">
               <a:rPr lang="en-US" smtClean="0"/>
               <a:pPr/>
-              <a:t>4/17/2015</a:t>
+              <a:t>4/20/2015</a:t>
             </a:fld>
             <a:endParaRPr lang="en-US"/>
           </a:p>
@@ -2481,7 +2482,7 @@
             <a:fld id="{1D8BD707-D9CF-40AE-B4C6-C98DA3205C09}" type="datetimeFigureOut">
               <a:rPr lang="en-US" smtClean="0"/>
               <a:pPr/>
-              <a:t>4/17/2015</a:t>
+              <a:t>4/20/2015</a:t>
             </a:fld>
             <a:endParaRPr lang="en-US"/>
           </a:p>
@@ -2691,7 +2692,7 @@
             <a:fld id="{1D8BD707-D9CF-40AE-B4C6-C98DA3205C09}" type="datetimeFigureOut">
               <a:rPr lang="en-US" smtClean="0"/>
               <a:pPr/>
-              <a:t>4/17/2015</a:t>
+              <a:t>4/20/2015</a:t>
             </a:fld>
             <a:endParaRPr lang="en-US"/>
           </a:p>
@@ -3173,14 +3174,77 @@
         </p:nvSpPr>
         <p:spPr/>
         <p:txBody>
-          <a:bodyPr/>
+          <a:bodyPr>
+            <a:normAutofit fontScale="85000" lnSpcReduction="10000"/>
+          </a:bodyPr>
           <a:lstStyle/>
           <a:p>
             <a:r>
               <a:rPr lang="en-AU" dirty="0" smtClean="0"/>
-              <a:t>Mapping an object to the DOM and back again</a:t>
-            </a:r>
+              <a:t>Mapping </a:t>
+            </a:r>
+            <a:r>
+              <a:rPr lang="en-AU" dirty="0" smtClean="0"/>
+              <a:t>between </a:t>
+            </a:r>
+            <a:r>
+              <a:rPr lang="en-AU" dirty="0" smtClean="0"/>
+              <a:t>a data model to </a:t>
+            </a:r>
+            <a:r>
+              <a:rPr lang="en-AU" dirty="0" smtClean="0"/>
+              <a:t>the UI</a:t>
+            </a:r>
+          </a:p>
+          <a:p>
             <a:endParaRPr lang="en-AU" dirty="0"/>
+          </a:p>
+          <a:p>
+            <a:endParaRPr lang="en-AU" dirty="0" smtClean="0"/>
+          </a:p>
+          <a:p>
+            <a:endParaRPr lang="en-AU" dirty="0"/>
+          </a:p>
+          <a:p>
+            <a:endParaRPr lang="en-AU" sz="2600" dirty="0" smtClean="0"/>
+          </a:p>
+          <a:p>
+            <a:endParaRPr lang="en-AU" sz="2600" dirty="0" smtClean="0"/>
+          </a:p>
+          <a:p>
+            <a:r>
+              <a:rPr lang="en-AU" sz="2600" dirty="0" smtClean="0"/>
+              <a:t>Common use case:</a:t>
+            </a:r>
+          </a:p>
+          <a:p>
+            <a:pPr lvl="1"/>
+            <a:r>
+              <a:rPr lang="en-AU" sz="2600" dirty="0" smtClean="0"/>
+              <a:t>Server returns some data</a:t>
+            </a:r>
+          </a:p>
+          <a:p>
+            <a:pPr lvl="1"/>
+            <a:r>
+              <a:rPr lang="en-AU" sz="2600" dirty="0" smtClean="0"/>
+              <a:t>This is mapped to elements on the UI</a:t>
+            </a:r>
+          </a:p>
+          <a:p>
+            <a:pPr lvl="1"/>
+            <a:r>
+              <a:rPr lang="en-AU" sz="2600" dirty="0" smtClean="0"/>
+              <a:t>Changes are made in the UI and mapped back to the data model</a:t>
+            </a:r>
+          </a:p>
+          <a:p>
+            <a:pPr lvl="1"/>
+            <a:r>
+              <a:rPr lang="en-AU" sz="2600" dirty="0" smtClean="0"/>
+              <a:t>Data model is sent back to the server for processing</a:t>
+            </a:r>
+            <a:endParaRPr lang="en-AU" sz="2600" dirty="0"/>
           </a:p>
         </p:txBody>
       </p:sp>
@@ -3207,7 +3271,7 @@
         </p:blipFill>
         <p:spPr bwMode="auto">
           <a:xfrm>
-            <a:off x="609600" y="2938845"/>
+            <a:off x="593124" y="2286000"/>
             <a:ext cx="8132289" cy="1556951"/>
           </a:xfrm>
           <a:prstGeom prst="rect">
@@ -3433,6 +3497,82 @@
     <p:extLst>
       <p:ext uri="{BB962C8B-B14F-4D97-AF65-F5344CB8AC3E}">
         <p14:creationId xmlns:p14="http://schemas.microsoft.com/office/powerpoint/2010/main" val="177921872"/>
+      </p:ext>
+    </p:extLst>
+  </p:cSld>
+  <p:clrMapOvr>
+    <a:masterClrMapping/>
+  </p:clrMapOvr>
+</p:sld>
+</file>
+
+<file path=ppt/slides/slide5.xml><?xml version="1.0" encoding="utf-8"?>
+<p:sld xmlns:a="http://schemas.openxmlformats.org/drawingml/2006/main" xmlns:r="http://schemas.openxmlformats.org/officeDocument/2006/relationships" xmlns:p="http://schemas.openxmlformats.org/presentationml/2006/main">
+  <p:cSld>
+    <p:spTree>
+      <p:nvGrpSpPr>
+        <p:cNvPr id="1" name=""/>
+        <p:cNvGrpSpPr/>
+        <p:nvPr/>
+      </p:nvGrpSpPr>
+      <p:grpSpPr>
+        <a:xfrm>
+          <a:off x="0" y="0"/>
+          <a:ext cx="0" cy="0"/>
+          <a:chOff x="0" y="0"/>
+          <a:chExt cx="0" cy="0"/>
+        </a:xfrm>
+      </p:grpSpPr>
+      <p:sp>
+        <p:nvSpPr>
+          <p:cNvPr id="2" name="Title 1"/>
+          <p:cNvSpPr>
+            <a:spLocks noGrp="1"/>
+          </p:cNvSpPr>
+          <p:nvPr>
+            <p:ph type="title"/>
+          </p:nvPr>
+        </p:nvSpPr>
+        <p:spPr/>
+        <p:txBody>
+          <a:bodyPr/>
+          <a:lstStyle/>
+          <a:p>
+            <a:r>
+              <a:rPr lang="en-AU" dirty="0" smtClean="0"/>
+              <a:t>Example</a:t>
+            </a:r>
+            <a:endParaRPr lang="en-AU" dirty="0"/>
+          </a:p>
+        </p:txBody>
+      </p:sp>
+      <p:sp>
+        <p:nvSpPr>
+          <p:cNvPr id="3" name="Content Placeholder 2"/>
+          <p:cNvSpPr>
+            <a:spLocks noGrp="1"/>
+          </p:cNvSpPr>
+          <p:nvPr>
+            <p:ph idx="1"/>
+          </p:nvPr>
+        </p:nvSpPr>
+        <p:spPr/>
+        <p:txBody>
+          <a:bodyPr/>
+          <a:lstStyle/>
+          <a:p>
+            <a:r>
+              <a:rPr lang="en-AU" dirty="0" smtClean="0"/>
+              <a:t>Knockout.js</a:t>
+            </a:r>
+            <a:endParaRPr lang="en-AU" dirty="0"/>
+          </a:p>
+        </p:txBody>
+      </p:sp>
+    </p:spTree>
+    <p:extLst>
+      <p:ext uri="{BB962C8B-B14F-4D97-AF65-F5344CB8AC3E}">
+        <p14:creationId xmlns:p14="http://schemas.microsoft.com/office/powerpoint/2010/main" val="3896800008"/>
       </p:ext>
     </p:extLst>
   </p:cSld>
